--- a/Polls.pptx
+++ b/Polls.pptx
@@ -107,11 +107,16 @@
       </a:defRPr>
     </a:lvl9pPr>
   </p:defaultTextStyle>
+  <p:extLst>
+    <p:ext uri="{EFAFB233-063F-42B5-8137-9DF3F51BA10A}">
+      <p15:sldGuideLst xmlns:p15="http://schemas.microsoft.com/office/powerpoint/2012/main"/>
+    </p:ext>
+  </p:extLst>
 </p:presentation>
 </file>
 
 <file path=ppt/charts/chart1.xml><?xml version="1.0" encoding="utf-8"?>
-<c:chartSpace xmlns:c="http://schemas.openxmlformats.org/drawingml/2006/chart" xmlns:a="http://schemas.openxmlformats.org/drawingml/2006/main" xmlns:r="http://schemas.openxmlformats.org/officeDocument/2006/relationships" xmlns:c16r2="http://schemas.microsoft.com/office/drawing/2015/06/chart">
+<c:chartSpace xmlns:c="http://schemas.openxmlformats.org/drawingml/2006/chart" xmlns:a="http://schemas.openxmlformats.org/drawingml/2006/main" xmlns:r="http://schemas.openxmlformats.org/officeDocument/2006/relationships">
   <c:date1904 val="0"/>
   <c:lang val="de-DE"/>
   <c:roundedCorners val="0"/>
@@ -151,7 +156,7 @@
                     <a:lumOff val="5000"/>
                   </a:schemeClr>
                 </a:solidFill>
-                <a:latin typeface="Barlow Semi Condensed SemiBold" panose="00000706000000000000" pitchFamily="2" charset="0"/>
+                <a:latin typeface="Bahnschrift" panose="020B0502040204020203" pitchFamily="34" charset="0"/>
               </a:rPr>
               <a:t>Parlamentswahl in Deutschland 2025</a:t>
             </a:r>
@@ -162,7 +167,7 @@
                   <a:lumOff val="5000"/>
                 </a:schemeClr>
               </a:solidFill>
-              <a:latin typeface="Barlow Semi Condensed SemiBold" panose="00000706000000000000" pitchFamily="2" charset="0"/>
+              <a:latin typeface="Bahnschrift" panose="020B0502040204020203" pitchFamily="34" charset="0"/>
             </a:endParaRPr>
           </a:p>
           <a:p>
@@ -291,7 +296,7 @@
               </a:ln>
               <a:effectLst/>
             </c:spPr>
-            <c:extLst>
+            <c:extLst xmlns:c16r2="http://schemas.microsoft.com/office/drawing/2015/06/chart">
               <c:ext xmlns:c16="http://schemas.microsoft.com/office/drawing/2014/chart" uri="{C3380CC4-5D6E-409C-BE32-E72D297353CC}">
                 <c16:uniqueId val="{00000001-744A-4CEC-BF8B-240D24C71260}"/>
               </c:ext>
@@ -310,7 +315,7 @@
               </a:ln>
               <a:effectLst/>
             </c:spPr>
-            <c:extLst>
+            <c:extLst xmlns:c16r2="http://schemas.microsoft.com/office/drawing/2015/06/chart">
               <c:ext xmlns:c16="http://schemas.microsoft.com/office/drawing/2014/chart" uri="{C3380CC4-5D6E-409C-BE32-E72D297353CC}">
                 <c16:uniqueId val="{00000003-744A-4CEC-BF8B-240D24C71260}"/>
               </c:ext>
@@ -329,7 +334,7 @@
               </a:ln>
               <a:effectLst/>
             </c:spPr>
-            <c:extLst>
+            <c:extLst xmlns:c16r2="http://schemas.microsoft.com/office/drawing/2015/06/chart">
               <c:ext xmlns:c16="http://schemas.microsoft.com/office/drawing/2014/chart" uri="{C3380CC4-5D6E-409C-BE32-E72D297353CC}">
                 <c16:uniqueId val="{00000005-744A-4CEC-BF8B-240D24C71260}"/>
               </c:ext>
@@ -348,7 +353,7 @@
               </a:ln>
               <a:effectLst/>
             </c:spPr>
-            <c:extLst>
+            <c:extLst xmlns:c16r2="http://schemas.microsoft.com/office/drawing/2015/06/chart">
               <c:ext xmlns:c16="http://schemas.microsoft.com/office/drawing/2014/chart" uri="{C3380CC4-5D6E-409C-BE32-E72D297353CC}">
                 <c16:uniqueId val="{00000007-744A-4CEC-BF8B-240D24C71260}"/>
               </c:ext>
@@ -367,7 +372,7 @@
               </a:ln>
               <a:effectLst/>
             </c:spPr>
-            <c:extLst>
+            <c:extLst xmlns:c16r2="http://schemas.microsoft.com/office/drawing/2015/06/chart">
               <c:ext xmlns:c16="http://schemas.microsoft.com/office/drawing/2014/chart" uri="{C3380CC4-5D6E-409C-BE32-E72D297353CC}">
                 <c16:uniqueId val="{00000009-744A-4CEC-BF8B-240D24C71260}"/>
               </c:ext>
@@ -386,7 +391,7 @@
               </a:ln>
               <a:effectLst/>
             </c:spPr>
-            <c:extLst>
+            <c:extLst xmlns:c16r2="http://schemas.microsoft.com/office/drawing/2015/06/chart">
               <c:ext xmlns:c16="http://schemas.microsoft.com/office/drawing/2014/chart" uri="{C3380CC4-5D6E-409C-BE32-E72D297353CC}">
                 <c16:uniqueId val="{0000000B-744A-4CEC-BF8B-240D24C71260}"/>
               </c:ext>
@@ -405,7 +410,7 @@
               </a:ln>
               <a:effectLst/>
             </c:spPr>
-            <c:extLst>
+            <c:extLst xmlns:c16r2="http://schemas.microsoft.com/office/drawing/2015/06/chart">
               <c:ext xmlns:c16="http://schemas.microsoft.com/office/drawing/2014/chart" uri="{C3380CC4-5D6E-409C-BE32-E72D297353CC}">
                 <c16:uniqueId val="{0000000D-744A-4CEC-BF8B-240D24C71260}"/>
               </c:ext>
@@ -424,7 +429,7 @@
               </a:ln>
               <a:effectLst/>
             </c:spPr>
-            <c:extLst>
+            <c:extLst xmlns:c16r2="http://schemas.microsoft.com/office/drawing/2015/06/chart">
               <c:ext xmlns:c16="http://schemas.microsoft.com/office/drawing/2014/chart" uri="{C3380CC4-5D6E-409C-BE32-E72D297353CC}">
                 <c16:uniqueId val="{0000000F-744A-4CEC-BF8B-240D24C71260}"/>
               </c:ext>
@@ -443,7 +448,7 @@
               </a:ln>
               <a:effectLst/>
             </c:spPr>
-            <c:extLst>
+            <c:extLst xmlns:c16r2="http://schemas.microsoft.com/office/drawing/2015/06/chart">
               <c:ext xmlns:c16="http://schemas.microsoft.com/office/drawing/2014/chart" uri="{C3380CC4-5D6E-409C-BE32-E72D297353CC}">
                 <c16:uniqueId val="{00000011-744A-4CEC-BF8B-240D24C71260}"/>
               </c:ext>
@@ -462,7 +467,7 @@
               </a:ln>
               <a:effectLst/>
             </c:spPr>
-            <c:extLst>
+            <c:extLst xmlns:c16r2="http://schemas.microsoft.com/office/drawing/2015/06/chart">
               <c:ext xmlns:c16="http://schemas.microsoft.com/office/drawing/2014/chart" uri="{C3380CC4-5D6E-409C-BE32-E72D297353CC}">
                 <c16:uniqueId val="{00000029-744A-4CEC-BF8B-240D24C71260}"/>
               </c:ext>
@@ -481,7 +486,7 @@
               </a:ln>
               <a:effectLst/>
             </c:spPr>
-            <c:extLst>
+            <c:extLst xmlns:c16r2="http://schemas.microsoft.com/office/drawing/2015/06/chart">
               <c:ext xmlns:c16="http://schemas.microsoft.com/office/drawing/2014/chart" uri="{C3380CC4-5D6E-409C-BE32-E72D297353CC}">
                 <c16:uniqueId val="{00000028-2B6F-4ACF-B5E6-27635264483F}"/>
               </c:ext>
@@ -570,7 +575,7 @@
               </c:numCache>
             </c:numRef>
           </c:val>
-          <c:extLst>
+          <c:extLst xmlns:c16r2="http://schemas.microsoft.com/office/drawing/2015/06/chart">
             <c:ext xmlns:c16="http://schemas.microsoft.com/office/drawing/2014/chart" uri="{C3380CC4-5D6E-409C-BE32-E72D297353CC}">
               <c16:uniqueId val="{00000012-744A-4CEC-BF8B-240D24C71260}"/>
             </c:ext>
@@ -627,7 +632,7 @@
               </a:ln>
               <a:effectLst/>
             </c:spPr>
-            <c:extLst>
+            <c:extLst xmlns:c16r2="http://schemas.microsoft.com/office/drawing/2015/06/chart">
               <c:ext xmlns:c16="http://schemas.microsoft.com/office/drawing/2014/chart" uri="{C3380CC4-5D6E-409C-BE32-E72D297353CC}">
                 <c16:uniqueId val="{00000014-744A-4CEC-BF8B-240D24C71260}"/>
               </c:ext>
@@ -646,7 +651,7 @@
               </a:ln>
               <a:effectLst/>
             </c:spPr>
-            <c:extLst>
+            <c:extLst xmlns:c16r2="http://schemas.microsoft.com/office/drawing/2015/06/chart">
               <c:ext xmlns:c16="http://schemas.microsoft.com/office/drawing/2014/chart" uri="{C3380CC4-5D6E-409C-BE32-E72D297353CC}">
                 <c16:uniqueId val="{00000016-744A-4CEC-BF8B-240D24C71260}"/>
               </c:ext>
@@ -665,7 +670,7 @@
               </a:ln>
               <a:effectLst/>
             </c:spPr>
-            <c:extLst>
+            <c:extLst xmlns:c16r2="http://schemas.microsoft.com/office/drawing/2015/06/chart">
               <c:ext xmlns:c16="http://schemas.microsoft.com/office/drawing/2014/chart" uri="{C3380CC4-5D6E-409C-BE32-E72D297353CC}">
                 <c16:uniqueId val="{00000018-744A-4CEC-BF8B-240D24C71260}"/>
               </c:ext>
@@ -684,7 +689,7 @@
               </a:ln>
               <a:effectLst/>
             </c:spPr>
-            <c:extLst>
+            <c:extLst xmlns:c16r2="http://schemas.microsoft.com/office/drawing/2015/06/chart">
               <c:ext xmlns:c16="http://schemas.microsoft.com/office/drawing/2014/chart" uri="{C3380CC4-5D6E-409C-BE32-E72D297353CC}">
                 <c16:uniqueId val="{0000001A-744A-4CEC-BF8B-240D24C71260}"/>
               </c:ext>
@@ -703,7 +708,7 @@
               </a:ln>
               <a:effectLst/>
             </c:spPr>
-            <c:extLst>
+            <c:extLst xmlns:c16r2="http://schemas.microsoft.com/office/drawing/2015/06/chart">
               <c:ext xmlns:c16="http://schemas.microsoft.com/office/drawing/2014/chart" uri="{C3380CC4-5D6E-409C-BE32-E72D297353CC}">
                 <c16:uniqueId val="{0000001C-744A-4CEC-BF8B-240D24C71260}"/>
               </c:ext>
@@ -722,7 +727,7 @@
               </a:ln>
               <a:effectLst/>
             </c:spPr>
-            <c:extLst>
+            <c:extLst xmlns:c16r2="http://schemas.microsoft.com/office/drawing/2015/06/chart">
               <c:ext xmlns:c16="http://schemas.microsoft.com/office/drawing/2014/chart" uri="{C3380CC4-5D6E-409C-BE32-E72D297353CC}">
                 <c16:uniqueId val="{0000001E-744A-4CEC-BF8B-240D24C71260}"/>
               </c:ext>
@@ -741,7 +746,7 @@
               </a:ln>
               <a:effectLst/>
             </c:spPr>
-            <c:extLst>
+            <c:extLst xmlns:c16r2="http://schemas.microsoft.com/office/drawing/2015/06/chart">
               <c:ext xmlns:c16="http://schemas.microsoft.com/office/drawing/2014/chart" uri="{C3380CC4-5D6E-409C-BE32-E72D297353CC}">
                 <c16:uniqueId val="{00000020-744A-4CEC-BF8B-240D24C71260}"/>
               </c:ext>
@@ -760,7 +765,7 @@
               </a:ln>
               <a:effectLst/>
             </c:spPr>
-            <c:extLst>
+            <c:extLst xmlns:c16r2="http://schemas.microsoft.com/office/drawing/2015/06/chart">
               <c:ext xmlns:c16="http://schemas.microsoft.com/office/drawing/2014/chart" uri="{C3380CC4-5D6E-409C-BE32-E72D297353CC}">
                 <c16:uniqueId val="{00000022-744A-4CEC-BF8B-240D24C71260}"/>
               </c:ext>
@@ -779,7 +784,7 @@
               </a:ln>
               <a:effectLst/>
             </c:spPr>
-            <c:extLst>
+            <c:extLst xmlns:c16r2="http://schemas.microsoft.com/office/drawing/2015/06/chart">
               <c:ext xmlns:c16="http://schemas.microsoft.com/office/drawing/2014/chart" uri="{C3380CC4-5D6E-409C-BE32-E72D297353CC}">
                 <c16:uniqueId val="{00000024-744A-4CEC-BF8B-240D24C71260}"/>
               </c:ext>
@@ -798,7 +803,7 @@
               </a:ln>
               <a:effectLst/>
             </c:spPr>
-            <c:extLst>
+            <c:extLst xmlns:c16r2="http://schemas.microsoft.com/office/drawing/2015/06/chart">
               <c:ext xmlns:c16="http://schemas.microsoft.com/office/drawing/2014/chart" uri="{C3380CC4-5D6E-409C-BE32-E72D297353CC}">
                 <c16:uniqueId val="{00000027-744A-4CEC-BF8B-240D24C71260}"/>
               </c:ext>
@@ -817,7 +822,7 @@
               </a:ln>
               <a:effectLst/>
             </c:spPr>
-            <c:extLst>
+            <c:extLst xmlns:c16r2="http://schemas.microsoft.com/office/drawing/2015/06/chart">
               <c:ext xmlns:c16="http://schemas.microsoft.com/office/drawing/2014/chart" uri="{C3380CC4-5D6E-409C-BE32-E72D297353CC}">
                 <c16:uniqueId val="{00000029-2B6F-4ACF-B5E6-27635264483F}"/>
               </c:ext>
@@ -906,7 +911,7 @@
               </c:numCache>
             </c:numRef>
           </c:val>
-          <c:extLst>
+          <c:extLst xmlns:c16r2="http://schemas.microsoft.com/office/drawing/2015/06/chart">
             <c:ext xmlns:c16="http://schemas.microsoft.com/office/drawing/2014/chart" uri="{C3380CC4-5D6E-409C-BE32-E72D297353CC}">
               <c16:uniqueId val="{00000025-744A-4CEC-BF8B-240D24C71260}"/>
             </c:ext>
@@ -1021,7 +1026,7 @@
               </c:numCache>
             </c:numRef>
           </c:val>
-          <c:extLst>
+          <c:extLst xmlns:c16r2="http://schemas.microsoft.com/office/drawing/2015/06/chart">
             <c:ext xmlns:c16="http://schemas.microsoft.com/office/drawing/2014/chart" uri="{C3380CC4-5D6E-409C-BE32-E72D297353CC}">
               <c16:uniqueId val="{00000026-744A-4CEC-BF8B-240D24C71260}"/>
             </c:ext>
@@ -1037,11 +1042,11 @@
         </c:dLbls>
         <c:gapWidth val="50"/>
         <c:overlap val="100"/>
-        <c:axId val="1140562975"/>
-        <c:axId val="1140560479"/>
+        <c:axId val="284950392"/>
+        <c:axId val="57837720"/>
       </c:barChart>
       <c:catAx>
-        <c:axId val="1140562975"/>
+        <c:axId val="284950392"/>
         <c:scaling>
           <c:orientation val="minMax"/>
         </c:scaling>
@@ -1051,7 +1056,7 @@
         <c:majorTickMark val="none"/>
         <c:minorTickMark val="none"/>
         <c:tickLblPos val="nextTo"/>
-        <c:crossAx val="1140560479"/>
+        <c:crossAx val="57837720"/>
         <c:crosses val="autoZero"/>
         <c:auto val="1"/>
         <c:lblAlgn val="ctr"/>
@@ -1059,7 +1064,7 @@
         <c:noMultiLvlLbl val="0"/>
       </c:catAx>
       <c:valAx>
-        <c:axId val="1140560479"/>
+        <c:axId val="57837720"/>
         <c:scaling>
           <c:orientation val="minMax"/>
         </c:scaling>
@@ -1069,7 +1074,7 @@
         <c:majorTickMark val="none"/>
         <c:minorTickMark val="none"/>
         <c:tickLblPos val="nextTo"/>
-        <c:crossAx val="1140562975"/>
+        <c:crossAx val="284950392"/>
         <c:crosses val="autoZero"/>
         <c:crossBetween val="between"/>
       </c:valAx>
@@ -2010,7 +2015,7 @@
         <p:cNvPr id="1" name="">
           <a:extLst>
             <a:ext uri="{FF2B5EF4-FFF2-40B4-BE49-F238E27FC236}">
-              <a16:creationId xmlns:a16="http://schemas.microsoft.com/office/drawing/2014/main" id="{46CA4E1C-E620-A780-1DD0-90BF71688CA1}"/>
+              <a16:creationId xmlns:a16="http://schemas.microsoft.com/office/drawing/2014/main" xmlns="" id="{46CA4E1C-E620-A780-1DD0-90BF71688CA1}"/>
             </a:ext>
           </a:extLst>
         </p:cNvPr>
@@ -2030,7 +2035,7 @@
           <p:cNvPr id="2" name="Folienbildplatzhalter 1">
             <a:extLst>
               <a:ext uri="{FF2B5EF4-FFF2-40B4-BE49-F238E27FC236}">
-                <a16:creationId xmlns:a16="http://schemas.microsoft.com/office/drawing/2014/main" id="{E66BBC95-9BBC-1F81-D3E6-5BE887DF48F2}"/>
+                <a16:creationId xmlns:a16="http://schemas.microsoft.com/office/drawing/2014/main" xmlns="" id="{E66BBC95-9BBC-1F81-D3E6-5BE887DF48F2}"/>
               </a:ext>
             </a:extLst>
           </p:cNvPr>
@@ -2048,7 +2053,7 @@
           <p:cNvPr id="3" name="Notizenplatzhalter 2">
             <a:extLst>
               <a:ext uri="{FF2B5EF4-FFF2-40B4-BE49-F238E27FC236}">
-                <a16:creationId xmlns:a16="http://schemas.microsoft.com/office/drawing/2014/main" id="{B3B20E1A-4BEE-7895-CB5B-35C18C5A43EE}"/>
+                <a16:creationId xmlns:a16="http://schemas.microsoft.com/office/drawing/2014/main" xmlns="" id="{B3B20E1A-4BEE-7895-CB5B-35C18C5A43EE}"/>
               </a:ext>
             </a:extLst>
           </p:cNvPr>
@@ -2073,7 +2078,7 @@
           <p:cNvPr id="4" name="Foliennummernplatzhalter 3">
             <a:extLst>
               <a:ext uri="{FF2B5EF4-FFF2-40B4-BE49-F238E27FC236}">
-                <a16:creationId xmlns:a16="http://schemas.microsoft.com/office/drawing/2014/main" id="{4A13CCC0-5C89-4E0E-CA9A-99CC874F83B5}"/>
+                <a16:creationId xmlns:a16="http://schemas.microsoft.com/office/drawing/2014/main" xmlns="" id="{4A13CCC0-5C89-4E0E-CA9A-99CC874F83B5}"/>
               </a:ext>
             </a:extLst>
           </p:cNvPr>
@@ -2132,7 +2137,7 @@
           <p:cNvPr id="2" name="Titel 1">
             <a:extLst>
               <a:ext uri="{FF2B5EF4-FFF2-40B4-BE49-F238E27FC236}">
-                <a16:creationId xmlns:a16="http://schemas.microsoft.com/office/drawing/2014/main" id="{B94D06EC-381E-3763-C95E-058675D5D884}"/>
+                <a16:creationId xmlns:a16="http://schemas.microsoft.com/office/drawing/2014/main" xmlns="" id="{B94D06EC-381E-3763-C95E-058675D5D884}"/>
               </a:ext>
             </a:extLst>
           </p:cNvPr>
@@ -2169,7 +2174,7 @@
           <p:cNvPr id="3" name="Untertitel 2">
             <a:extLst>
               <a:ext uri="{FF2B5EF4-FFF2-40B4-BE49-F238E27FC236}">
-                <a16:creationId xmlns:a16="http://schemas.microsoft.com/office/drawing/2014/main" id="{A61E5AFC-99BB-B296-4250-44B7429FCCC9}"/>
+                <a16:creationId xmlns:a16="http://schemas.microsoft.com/office/drawing/2014/main" xmlns="" id="{A61E5AFC-99BB-B296-4250-44B7429FCCC9}"/>
               </a:ext>
             </a:extLst>
           </p:cNvPr>
@@ -2239,7 +2244,7 @@
           <p:cNvPr id="4" name="Datumsplatzhalter 3">
             <a:extLst>
               <a:ext uri="{FF2B5EF4-FFF2-40B4-BE49-F238E27FC236}">
-                <a16:creationId xmlns:a16="http://schemas.microsoft.com/office/drawing/2014/main" id="{9C97CAB3-B004-D2B7-BED4-6A193EE82E8D}"/>
+                <a16:creationId xmlns:a16="http://schemas.microsoft.com/office/drawing/2014/main" xmlns="" id="{9C97CAB3-B004-D2B7-BED4-6A193EE82E8D}"/>
               </a:ext>
             </a:extLst>
           </p:cNvPr>
@@ -2268,7 +2273,7 @@
           <p:cNvPr id="5" name="Fußzeilenplatzhalter 4">
             <a:extLst>
               <a:ext uri="{FF2B5EF4-FFF2-40B4-BE49-F238E27FC236}">
-                <a16:creationId xmlns:a16="http://schemas.microsoft.com/office/drawing/2014/main" id="{24AF2FB9-DF5D-9847-B4D7-F04E3A029A14}"/>
+                <a16:creationId xmlns:a16="http://schemas.microsoft.com/office/drawing/2014/main" xmlns="" id="{24AF2FB9-DF5D-9847-B4D7-F04E3A029A14}"/>
               </a:ext>
             </a:extLst>
           </p:cNvPr>
@@ -2293,7 +2298,7 @@
           <p:cNvPr id="6" name="Foliennummernplatzhalter 5">
             <a:extLst>
               <a:ext uri="{FF2B5EF4-FFF2-40B4-BE49-F238E27FC236}">
-                <a16:creationId xmlns:a16="http://schemas.microsoft.com/office/drawing/2014/main" id="{B9ED18C0-F957-1E10-B5DE-D206D394677A}"/>
+                <a16:creationId xmlns:a16="http://schemas.microsoft.com/office/drawing/2014/main" xmlns="" id="{B9ED18C0-F957-1E10-B5DE-D206D394677A}"/>
               </a:ext>
             </a:extLst>
           </p:cNvPr>
@@ -2352,7 +2357,7 @@
           <p:cNvPr id="2" name="Titel 1">
             <a:extLst>
               <a:ext uri="{FF2B5EF4-FFF2-40B4-BE49-F238E27FC236}">
-                <a16:creationId xmlns:a16="http://schemas.microsoft.com/office/drawing/2014/main" id="{76F4DE66-02CF-4C1A-7EF8-E228E60E864F}"/>
+                <a16:creationId xmlns:a16="http://schemas.microsoft.com/office/drawing/2014/main" xmlns="" id="{76F4DE66-02CF-4C1A-7EF8-E228E60E864F}"/>
               </a:ext>
             </a:extLst>
           </p:cNvPr>
@@ -2380,7 +2385,7 @@
           <p:cNvPr id="3" name="Vertikaler Textplatzhalter 2">
             <a:extLst>
               <a:ext uri="{FF2B5EF4-FFF2-40B4-BE49-F238E27FC236}">
-                <a16:creationId xmlns:a16="http://schemas.microsoft.com/office/drawing/2014/main" id="{2B9C00B9-1146-4B8B-956B-16291DC4B8EA}"/>
+                <a16:creationId xmlns:a16="http://schemas.microsoft.com/office/drawing/2014/main" xmlns="" id="{2B9C00B9-1146-4B8B-956B-16291DC4B8EA}"/>
               </a:ext>
             </a:extLst>
           </p:cNvPr>
@@ -2437,7 +2442,7 @@
           <p:cNvPr id="4" name="Datumsplatzhalter 3">
             <a:extLst>
               <a:ext uri="{FF2B5EF4-FFF2-40B4-BE49-F238E27FC236}">
-                <a16:creationId xmlns:a16="http://schemas.microsoft.com/office/drawing/2014/main" id="{59BFCB5D-6291-D795-A017-3C8C5719135D}"/>
+                <a16:creationId xmlns:a16="http://schemas.microsoft.com/office/drawing/2014/main" xmlns="" id="{59BFCB5D-6291-D795-A017-3C8C5719135D}"/>
               </a:ext>
             </a:extLst>
           </p:cNvPr>
@@ -2466,7 +2471,7 @@
           <p:cNvPr id="5" name="Fußzeilenplatzhalter 4">
             <a:extLst>
               <a:ext uri="{FF2B5EF4-FFF2-40B4-BE49-F238E27FC236}">
-                <a16:creationId xmlns:a16="http://schemas.microsoft.com/office/drawing/2014/main" id="{CBD24D6F-24DA-4CDD-3785-1E0D237B3E15}"/>
+                <a16:creationId xmlns:a16="http://schemas.microsoft.com/office/drawing/2014/main" xmlns="" id="{CBD24D6F-24DA-4CDD-3785-1E0D237B3E15}"/>
               </a:ext>
             </a:extLst>
           </p:cNvPr>
@@ -2491,7 +2496,7 @@
           <p:cNvPr id="6" name="Foliennummernplatzhalter 5">
             <a:extLst>
               <a:ext uri="{FF2B5EF4-FFF2-40B4-BE49-F238E27FC236}">
-                <a16:creationId xmlns:a16="http://schemas.microsoft.com/office/drawing/2014/main" id="{C7840820-B82F-F7D0-D729-A88D2606F3DE}"/>
+                <a16:creationId xmlns:a16="http://schemas.microsoft.com/office/drawing/2014/main" xmlns="" id="{C7840820-B82F-F7D0-D729-A88D2606F3DE}"/>
               </a:ext>
             </a:extLst>
           </p:cNvPr>
@@ -2550,7 +2555,7 @@
           <p:cNvPr id="2" name="Vertikaler Titel 1">
             <a:extLst>
               <a:ext uri="{FF2B5EF4-FFF2-40B4-BE49-F238E27FC236}">
-                <a16:creationId xmlns:a16="http://schemas.microsoft.com/office/drawing/2014/main" id="{FA594053-58A3-DE7B-2BB2-77F01D1F57DB}"/>
+                <a16:creationId xmlns:a16="http://schemas.microsoft.com/office/drawing/2014/main" xmlns="" id="{FA594053-58A3-DE7B-2BB2-77F01D1F57DB}"/>
               </a:ext>
             </a:extLst>
           </p:cNvPr>
@@ -2583,7 +2588,7 @@
           <p:cNvPr id="3" name="Vertikaler Textplatzhalter 2">
             <a:extLst>
               <a:ext uri="{FF2B5EF4-FFF2-40B4-BE49-F238E27FC236}">
-                <a16:creationId xmlns:a16="http://schemas.microsoft.com/office/drawing/2014/main" id="{E765B40C-1A9F-9923-42A0-120AF422907E}"/>
+                <a16:creationId xmlns:a16="http://schemas.microsoft.com/office/drawing/2014/main" xmlns="" id="{E765B40C-1A9F-9923-42A0-120AF422907E}"/>
               </a:ext>
             </a:extLst>
           </p:cNvPr>
@@ -2645,7 +2650,7 @@
           <p:cNvPr id="4" name="Datumsplatzhalter 3">
             <a:extLst>
               <a:ext uri="{FF2B5EF4-FFF2-40B4-BE49-F238E27FC236}">
-                <a16:creationId xmlns:a16="http://schemas.microsoft.com/office/drawing/2014/main" id="{186647A1-F328-7303-706A-202A14434A2A}"/>
+                <a16:creationId xmlns:a16="http://schemas.microsoft.com/office/drawing/2014/main" xmlns="" id="{186647A1-F328-7303-706A-202A14434A2A}"/>
               </a:ext>
             </a:extLst>
           </p:cNvPr>
@@ -2674,7 +2679,7 @@
           <p:cNvPr id="5" name="Fußzeilenplatzhalter 4">
             <a:extLst>
               <a:ext uri="{FF2B5EF4-FFF2-40B4-BE49-F238E27FC236}">
-                <a16:creationId xmlns:a16="http://schemas.microsoft.com/office/drawing/2014/main" id="{23A71D39-5E0C-9CFC-9D83-A616AB9FE974}"/>
+                <a16:creationId xmlns:a16="http://schemas.microsoft.com/office/drawing/2014/main" xmlns="" id="{23A71D39-5E0C-9CFC-9D83-A616AB9FE974}"/>
               </a:ext>
             </a:extLst>
           </p:cNvPr>
@@ -2699,7 +2704,7 @@
           <p:cNvPr id="6" name="Foliennummernplatzhalter 5">
             <a:extLst>
               <a:ext uri="{FF2B5EF4-FFF2-40B4-BE49-F238E27FC236}">
-                <a16:creationId xmlns:a16="http://schemas.microsoft.com/office/drawing/2014/main" id="{58536333-2AE7-7943-45AE-472836BA8CCA}"/>
+                <a16:creationId xmlns:a16="http://schemas.microsoft.com/office/drawing/2014/main" xmlns="" id="{58536333-2AE7-7943-45AE-472836BA8CCA}"/>
               </a:ext>
             </a:extLst>
           </p:cNvPr>
@@ -2758,7 +2763,7 @@
           <p:cNvPr id="2" name="Titel 1">
             <a:extLst>
               <a:ext uri="{FF2B5EF4-FFF2-40B4-BE49-F238E27FC236}">
-                <a16:creationId xmlns:a16="http://schemas.microsoft.com/office/drawing/2014/main" id="{97761B46-EECA-A3C2-ABD7-DB4D06464E42}"/>
+                <a16:creationId xmlns:a16="http://schemas.microsoft.com/office/drawing/2014/main" xmlns="" id="{97761B46-EECA-A3C2-ABD7-DB4D06464E42}"/>
               </a:ext>
             </a:extLst>
           </p:cNvPr>
@@ -2786,7 +2791,7 @@
           <p:cNvPr id="3" name="Inhaltsplatzhalter 2">
             <a:extLst>
               <a:ext uri="{FF2B5EF4-FFF2-40B4-BE49-F238E27FC236}">
-                <a16:creationId xmlns:a16="http://schemas.microsoft.com/office/drawing/2014/main" id="{505D16C8-AC9A-0251-DEE2-551231FE48AF}"/>
+                <a16:creationId xmlns:a16="http://schemas.microsoft.com/office/drawing/2014/main" xmlns="" id="{505D16C8-AC9A-0251-DEE2-551231FE48AF}"/>
               </a:ext>
             </a:extLst>
           </p:cNvPr>
@@ -2843,7 +2848,7 @@
           <p:cNvPr id="4" name="Datumsplatzhalter 3">
             <a:extLst>
               <a:ext uri="{FF2B5EF4-FFF2-40B4-BE49-F238E27FC236}">
-                <a16:creationId xmlns:a16="http://schemas.microsoft.com/office/drawing/2014/main" id="{0AB13453-BA75-70E4-3A31-A3EF50F9A40D}"/>
+                <a16:creationId xmlns:a16="http://schemas.microsoft.com/office/drawing/2014/main" xmlns="" id="{0AB13453-BA75-70E4-3A31-A3EF50F9A40D}"/>
               </a:ext>
             </a:extLst>
           </p:cNvPr>
@@ -2872,7 +2877,7 @@
           <p:cNvPr id="5" name="Fußzeilenplatzhalter 4">
             <a:extLst>
               <a:ext uri="{FF2B5EF4-FFF2-40B4-BE49-F238E27FC236}">
-                <a16:creationId xmlns:a16="http://schemas.microsoft.com/office/drawing/2014/main" id="{B69AC92E-4A44-B19D-F76D-4CB9D9855CBF}"/>
+                <a16:creationId xmlns:a16="http://schemas.microsoft.com/office/drawing/2014/main" xmlns="" id="{B69AC92E-4A44-B19D-F76D-4CB9D9855CBF}"/>
               </a:ext>
             </a:extLst>
           </p:cNvPr>
@@ -2897,7 +2902,7 @@
           <p:cNvPr id="6" name="Foliennummernplatzhalter 5">
             <a:extLst>
               <a:ext uri="{FF2B5EF4-FFF2-40B4-BE49-F238E27FC236}">
-                <a16:creationId xmlns:a16="http://schemas.microsoft.com/office/drawing/2014/main" id="{C92A9486-691E-A23D-1119-761FCED81EDB}"/>
+                <a16:creationId xmlns:a16="http://schemas.microsoft.com/office/drawing/2014/main" xmlns="" id="{C92A9486-691E-A23D-1119-761FCED81EDB}"/>
               </a:ext>
             </a:extLst>
           </p:cNvPr>
@@ -2956,7 +2961,7 @@
           <p:cNvPr id="2" name="Titel 1">
             <a:extLst>
               <a:ext uri="{FF2B5EF4-FFF2-40B4-BE49-F238E27FC236}">
-                <a16:creationId xmlns:a16="http://schemas.microsoft.com/office/drawing/2014/main" id="{897C8C99-6985-818D-C573-C468061F31B6}"/>
+                <a16:creationId xmlns:a16="http://schemas.microsoft.com/office/drawing/2014/main" xmlns="" id="{897C8C99-6985-818D-C573-C468061F31B6}"/>
               </a:ext>
             </a:extLst>
           </p:cNvPr>
@@ -2993,7 +2998,7 @@
           <p:cNvPr id="3" name="Textplatzhalter 2">
             <a:extLst>
               <a:ext uri="{FF2B5EF4-FFF2-40B4-BE49-F238E27FC236}">
-                <a16:creationId xmlns:a16="http://schemas.microsoft.com/office/drawing/2014/main" id="{6D99AE52-BF42-4C63-3A68-50DD8A979409}"/>
+                <a16:creationId xmlns:a16="http://schemas.microsoft.com/office/drawing/2014/main" xmlns="" id="{6D99AE52-BF42-4C63-3A68-50DD8A979409}"/>
               </a:ext>
             </a:extLst>
           </p:cNvPr>
@@ -3118,7 +3123,7 @@
           <p:cNvPr id="4" name="Datumsplatzhalter 3">
             <a:extLst>
               <a:ext uri="{FF2B5EF4-FFF2-40B4-BE49-F238E27FC236}">
-                <a16:creationId xmlns:a16="http://schemas.microsoft.com/office/drawing/2014/main" id="{70E02DC2-999A-64DD-1C3A-89D9582BEDF5}"/>
+                <a16:creationId xmlns:a16="http://schemas.microsoft.com/office/drawing/2014/main" xmlns="" id="{70E02DC2-999A-64DD-1C3A-89D9582BEDF5}"/>
               </a:ext>
             </a:extLst>
           </p:cNvPr>
@@ -3147,7 +3152,7 @@
           <p:cNvPr id="5" name="Fußzeilenplatzhalter 4">
             <a:extLst>
               <a:ext uri="{FF2B5EF4-FFF2-40B4-BE49-F238E27FC236}">
-                <a16:creationId xmlns:a16="http://schemas.microsoft.com/office/drawing/2014/main" id="{D063C45B-AE03-83E0-3D33-F77C9B22EF67}"/>
+                <a16:creationId xmlns:a16="http://schemas.microsoft.com/office/drawing/2014/main" xmlns="" id="{D063C45B-AE03-83E0-3D33-F77C9B22EF67}"/>
               </a:ext>
             </a:extLst>
           </p:cNvPr>
@@ -3172,7 +3177,7 @@
           <p:cNvPr id="6" name="Foliennummernplatzhalter 5">
             <a:extLst>
               <a:ext uri="{FF2B5EF4-FFF2-40B4-BE49-F238E27FC236}">
-                <a16:creationId xmlns:a16="http://schemas.microsoft.com/office/drawing/2014/main" id="{F37D1DCA-4560-77B9-5CC2-B026CBF1AE5F}"/>
+                <a16:creationId xmlns:a16="http://schemas.microsoft.com/office/drawing/2014/main" xmlns="" id="{F37D1DCA-4560-77B9-5CC2-B026CBF1AE5F}"/>
               </a:ext>
             </a:extLst>
           </p:cNvPr>
@@ -3231,7 +3236,7 @@
           <p:cNvPr id="2" name="Titel 1">
             <a:extLst>
               <a:ext uri="{FF2B5EF4-FFF2-40B4-BE49-F238E27FC236}">
-                <a16:creationId xmlns:a16="http://schemas.microsoft.com/office/drawing/2014/main" id="{5517CABF-4B5E-F95F-34C0-F87835ED33C9}"/>
+                <a16:creationId xmlns:a16="http://schemas.microsoft.com/office/drawing/2014/main" xmlns="" id="{5517CABF-4B5E-F95F-34C0-F87835ED33C9}"/>
               </a:ext>
             </a:extLst>
           </p:cNvPr>
@@ -3259,7 +3264,7 @@
           <p:cNvPr id="3" name="Inhaltsplatzhalter 2">
             <a:extLst>
               <a:ext uri="{FF2B5EF4-FFF2-40B4-BE49-F238E27FC236}">
-                <a16:creationId xmlns:a16="http://schemas.microsoft.com/office/drawing/2014/main" id="{285C80B4-971B-6BD0-9728-E9537F3AC687}"/>
+                <a16:creationId xmlns:a16="http://schemas.microsoft.com/office/drawing/2014/main" xmlns="" id="{285C80B4-971B-6BD0-9728-E9537F3AC687}"/>
               </a:ext>
             </a:extLst>
           </p:cNvPr>
@@ -3321,7 +3326,7 @@
           <p:cNvPr id="4" name="Inhaltsplatzhalter 3">
             <a:extLst>
               <a:ext uri="{FF2B5EF4-FFF2-40B4-BE49-F238E27FC236}">
-                <a16:creationId xmlns:a16="http://schemas.microsoft.com/office/drawing/2014/main" id="{FF24EC09-0AA6-5EE8-4C2B-69AC916B3A17}"/>
+                <a16:creationId xmlns:a16="http://schemas.microsoft.com/office/drawing/2014/main" xmlns="" id="{FF24EC09-0AA6-5EE8-4C2B-69AC916B3A17}"/>
               </a:ext>
             </a:extLst>
           </p:cNvPr>
@@ -3383,7 +3388,7 @@
           <p:cNvPr id="5" name="Datumsplatzhalter 4">
             <a:extLst>
               <a:ext uri="{FF2B5EF4-FFF2-40B4-BE49-F238E27FC236}">
-                <a16:creationId xmlns:a16="http://schemas.microsoft.com/office/drawing/2014/main" id="{70B602B4-6441-02F9-418F-14B76496972D}"/>
+                <a16:creationId xmlns:a16="http://schemas.microsoft.com/office/drawing/2014/main" xmlns="" id="{70B602B4-6441-02F9-418F-14B76496972D}"/>
               </a:ext>
             </a:extLst>
           </p:cNvPr>
@@ -3412,7 +3417,7 @@
           <p:cNvPr id="6" name="Fußzeilenplatzhalter 5">
             <a:extLst>
               <a:ext uri="{FF2B5EF4-FFF2-40B4-BE49-F238E27FC236}">
-                <a16:creationId xmlns:a16="http://schemas.microsoft.com/office/drawing/2014/main" id="{0EB6CE9D-8A15-D06F-65B6-C5E6DBE15B88}"/>
+                <a16:creationId xmlns:a16="http://schemas.microsoft.com/office/drawing/2014/main" xmlns="" id="{0EB6CE9D-8A15-D06F-65B6-C5E6DBE15B88}"/>
               </a:ext>
             </a:extLst>
           </p:cNvPr>
@@ -3437,7 +3442,7 @@
           <p:cNvPr id="7" name="Foliennummernplatzhalter 6">
             <a:extLst>
               <a:ext uri="{FF2B5EF4-FFF2-40B4-BE49-F238E27FC236}">
-                <a16:creationId xmlns:a16="http://schemas.microsoft.com/office/drawing/2014/main" id="{1329EA35-7581-1C0A-7BDD-8A5D8410A97B}"/>
+                <a16:creationId xmlns:a16="http://schemas.microsoft.com/office/drawing/2014/main" xmlns="" id="{1329EA35-7581-1C0A-7BDD-8A5D8410A97B}"/>
               </a:ext>
             </a:extLst>
           </p:cNvPr>
@@ -3496,7 +3501,7 @@
           <p:cNvPr id="2" name="Titel 1">
             <a:extLst>
               <a:ext uri="{FF2B5EF4-FFF2-40B4-BE49-F238E27FC236}">
-                <a16:creationId xmlns:a16="http://schemas.microsoft.com/office/drawing/2014/main" id="{14A0D55C-DA84-D149-9E56-2D91EB977921}"/>
+                <a16:creationId xmlns:a16="http://schemas.microsoft.com/office/drawing/2014/main" xmlns="" id="{14A0D55C-DA84-D149-9E56-2D91EB977921}"/>
               </a:ext>
             </a:extLst>
           </p:cNvPr>
@@ -3529,7 +3534,7 @@
           <p:cNvPr id="3" name="Textplatzhalter 2">
             <a:extLst>
               <a:ext uri="{FF2B5EF4-FFF2-40B4-BE49-F238E27FC236}">
-                <a16:creationId xmlns:a16="http://schemas.microsoft.com/office/drawing/2014/main" id="{4510142F-F102-1397-88BA-D8A1CC8A0995}"/>
+                <a16:creationId xmlns:a16="http://schemas.microsoft.com/office/drawing/2014/main" xmlns="" id="{4510142F-F102-1397-88BA-D8A1CC8A0995}"/>
               </a:ext>
             </a:extLst>
           </p:cNvPr>
@@ -3600,7 +3605,7 @@
           <p:cNvPr id="4" name="Inhaltsplatzhalter 3">
             <a:extLst>
               <a:ext uri="{FF2B5EF4-FFF2-40B4-BE49-F238E27FC236}">
-                <a16:creationId xmlns:a16="http://schemas.microsoft.com/office/drawing/2014/main" id="{4D9ED2B3-C102-405A-AE32-844335DAE7F7}"/>
+                <a16:creationId xmlns:a16="http://schemas.microsoft.com/office/drawing/2014/main" xmlns="" id="{4D9ED2B3-C102-405A-AE32-844335DAE7F7}"/>
               </a:ext>
             </a:extLst>
           </p:cNvPr>
@@ -3662,7 +3667,7 @@
           <p:cNvPr id="5" name="Textplatzhalter 4">
             <a:extLst>
               <a:ext uri="{FF2B5EF4-FFF2-40B4-BE49-F238E27FC236}">
-                <a16:creationId xmlns:a16="http://schemas.microsoft.com/office/drawing/2014/main" id="{C699BEB2-AEDE-D258-9731-5093164C3DDD}"/>
+                <a16:creationId xmlns:a16="http://schemas.microsoft.com/office/drawing/2014/main" xmlns="" id="{C699BEB2-AEDE-D258-9731-5093164C3DDD}"/>
               </a:ext>
             </a:extLst>
           </p:cNvPr>
@@ -3733,7 +3738,7 @@
           <p:cNvPr id="6" name="Inhaltsplatzhalter 5">
             <a:extLst>
               <a:ext uri="{FF2B5EF4-FFF2-40B4-BE49-F238E27FC236}">
-                <a16:creationId xmlns:a16="http://schemas.microsoft.com/office/drawing/2014/main" id="{07AF24A5-914C-CB0F-6F40-BE54AAE4ABFD}"/>
+                <a16:creationId xmlns:a16="http://schemas.microsoft.com/office/drawing/2014/main" xmlns="" id="{07AF24A5-914C-CB0F-6F40-BE54AAE4ABFD}"/>
               </a:ext>
             </a:extLst>
           </p:cNvPr>
@@ -3795,7 +3800,7 @@
           <p:cNvPr id="7" name="Datumsplatzhalter 6">
             <a:extLst>
               <a:ext uri="{FF2B5EF4-FFF2-40B4-BE49-F238E27FC236}">
-                <a16:creationId xmlns:a16="http://schemas.microsoft.com/office/drawing/2014/main" id="{95C0B96A-B1AB-A8B6-3E2E-1DFE16F90070}"/>
+                <a16:creationId xmlns:a16="http://schemas.microsoft.com/office/drawing/2014/main" xmlns="" id="{95C0B96A-B1AB-A8B6-3E2E-1DFE16F90070}"/>
               </a:ext>
             </a:extLst>
           </p:cNvPr>
@@ -3824,7 +3829,7 @@
           <p:cNvPr id="8" name="Fußzeilenplatzhalter 7">
             <a:extLst>
               <a:ext uri="{FF2B5EF4-FFF2-40B4-BE49-F238E27FC236}">
-                <a16:creationId xmlns:a16="http://schemas.microsoft.com/office/drawing/2014/main" id="{AAAD209B-C0E4-6122-DD43-B7BC79D3615C}"/>
+                <a16:creationId xmlns:a16="http://schemas.microsoft.com/office/drawing/2014/main" xmlns="" id="{AAAD209B-C0E4-6122-DD43-B7BC79D3615C}"/>
               </a:ext>
             </a:extLst>
           </p:cNvPr>
@@ -3849,7 +3854,7 @@
           <p:cNvPr id="9" name="Foliennummernplatzhalter 8">
             <a:extLst>
               <a:ext uri="{FF2B5EF4-FFF2-40B4-BE49-F238E27FC236}">
-                <a16:creationId xmlns:a16="http://schemas.microsoft.com/office/drawing/2014/main" id="{F560652C-C9A3-2575-5D7C-317A894912A4}"/>
+                <a16:creationId xmlns:a16="http://schemas.microsoft.com/office/drawing/2014/main" xmlns="" id="{F560652C-C9A3-2575-5D7C-317A894912A4}"/>
               </a:ext>
             </a:extLst>
           </p:cNvPr>
@@ -3908,7 +3913,7 @@
           <p:cNvPr id="2" name="Titel 1">
             <a:extLst>
               <a:ext uri="{FF2B5EF4-FFF2-40B4-BE49-F238E27FC236}">
-                <a16:creationId xmlns:a16="http://schemas.microsoft.com/office/drawing/2014/main" id="{B5FCF0CB-A0F0-8D0C-0BCF-B2EA2F26EF32}"/>
+                <a16:creationId xmlns:a16="http://schemas.microsoft.com/office/drawing/2014/main" xmlns="" id="{B5FCF0CB-A0F0-8D0C-0BCF-B2EA2F26EF32}"/>
               </a:ext>
             </a:extLst>
           </p:cNvPr>
@@ -3936,7 +3941,7 @@
           <p:cNvPr id="3" name="Datumsplatzhalter 2">
             <a:extLst>
               <a:ext uri="{FF2B5EF4-FFF2-40B4-BE49-F238E27FC236}">
-                <a16:creationId xmlns:a16="http://schemas.microsoft.com/office/drawing/2014/main" id="{046F8750-D08A-20B0-3495-1603F3F4FCAF}"/>
+                <a16:creationId xmlns:a16="http://schemas.microsoft.com/office/drawing/2014/main" xmlns="" id="{046F8750-D08A-20B0-3495-1603F3F4FCAF}"/>
               </a:ext>
             </a:extLst>
           </p:cNvPr>
@@ -3965,7 +3970,7 @@
           <p:cNvPr id="4" name="Fußzeilenplatzhalter 3">
             <a:extLst>
               <a:ext uri="{FF2B5EF4-FFF2-40B4-BE49-F238E27FC236}">
-                <a16:creationId xmlns:a16="http://schemas.microsoft.com/office/drawing/2014/main" id="{4246D3F0-EDC2-8CA2-C869-5001071B6A06}"/>
+                <a16:creationId xmlns:a16="http://schemas.microsoft.com/office/drawing/2014/main" xmlns="" id="{4246D3F0-EDC2-8CA2-C869-5001071B6A06}"/>
               </a:ext>
             </a:extLst>
           </p:cNvPr>
@@ -3990,7 +3995,7 @@
           <p:cNvPr id="5" name="Foliennummernplatzhalter 4">
             <a:extLst>
               <a:ext uri="{FF2B5EF4-FFF2-40B4-BE49-F238E27FC236}">
-                <a16:creationId xmlns:a16="http://schemas.microsoft.com/office/drawing/2014/main" id="{C69CB690-05E7-C681-EC86-8542994608E6}"/>
+                <a16:creationId xmlns:a16="http://schemas.microsoft.com/office/drawing/2014/main" xmlns="" id="{C69CB690-05E7-C681-EC86-8542994608E6}"/>
               </a:ext>
             </a:extLst>
           </p:cNvPr>
@@ -4049,7 +4054,7 @@
           <p:cNvPr id="2" name="Datumsplatzhalter 1">
             <a:extLst>
               <a:ext uri="{FF2B5EF4-FFF2-40B4-BE49-F238E27FC236}">
-                <a16:creationId xmlns:a16="http://schemas.microsoft.com/office/drawing/2014/main" id="{1A19B263-357D-546F-5F72-D216B1600690}"/>
+                <a16:creationId xmlns:a16="http://schemas.microsoft.com/office/drawing/2014/main" xmlns="" id="{1A19B263-357D-546F-5F72-D216B1600690}"/>
               </a:ext>
             </a:extLst>
           </p:cNvPr>
@@ -4078,7 +4083,7 @@
           <p:cNvPr id="3" name="Fußzeilenplatzhalter 2">
             <a:extLst>
               <a:ext uri="{FF2B5EF4-FFF2-40B4-BE49-F238E27FC236}">
-                <a16:creationId xmlns:a16="http://schemas.microsoft.com/office/drawing/2014/main" id="{69A6E769-CF0A-05DF-E422-89E026D6D0F8}"/>
+                <a16:creationId xmlns:a16="http://schemas.microsoft.com/office/drawing/2014/main" xmlns="" id="{69A6E769-CF0A-05DF-E422-89E026D6D0F8}"/>
               </a:ext>
             </a:extLst>
           </p:cNvPr>
@@ -4103,7 +4108,7 @@
           <p:cNvPr id="4" name="Foliennummernplatzhalter 3">
             <a:extLst>
               <a:ext uri="{FF2B5EF4-FFF2-40B4-BE49-F238E27FC236}">
-                <a16:creationId xmlns:a16="http://schemas.microsoft.com/office/drawing/2014/main" id="{28F156E4-D0FA-219E-D505-C459D6C19A06}"/>
+                <a16:creationId xmlns:a16="http://schemas.microsoft.com/office/drawing/2014/main" xmlns="" id="{28F156E4-D0FA-219E-D505-C459D6C19A06}"/>
               </a:ext>
             </a:extLst>
           </p:cNvPr>
@@ -4162,7 +4167,7 @@
           <p:cNvPr id="2" name="Titel 1">
             <a:extLst>
               <a:ext uri="{FF2B5EF4-FFF2-40B4-BE49-F238E27FC236}">
-                <a16:creationId xmlns:a16="http://schemas.microsoft.com/office/drawing/2014/main" id="{D100D5D5-31E2-890D-FCA5-A83B038B0CCC}"/>
+                <a16:creationId xmlns:a16="http://schemas.microsoft.com/office/drawing/2014/main" xmlns="" id="{D100D5D5-31E2-890D-FCA5-A83B038B0CCC}"/>
               </a:ext>
             </a:extLst>
           </p:cNvPr>
@@ -4199,7 +4204,7 @@
           <p:cNvPr id="3" name="Inhaltsplatzhalter 2">
             <a:extLst>
               <a:ext uri="{FF2B5EF4-FFF2-40B4-BE49-F238E27FC236}">
-                <a16:creationId xmlns:a16="http://schemas.microsoft.com/office/drawing/2014/main" id="{AB9FB76D-68E4-C78D-DB28-FB13591BE792}"/>
+                <a16:creationId xmlns:a16="http://schemas.microsoft.com/office/drawing/2014/main" xmlns="" id="{AB9FB76D-68E4-C78D-DB28-FB13591BE792}"/>
               </a:ext>
             </a:extLst>
           </p:cNvPr>
@@ -4289,7 +4294,7 @@
           <p:cNvPr id="4" name="Textplatzhalter 3">
             <a:extLst>
               <a:ext uri="{FF2B5EF4-FFF2-40B4-BE49-F238E27FC236}">
-                <a16:creationId xmlns:a16="http://schemas.microsoft.com/office/drawing/2014/main" id="{1226867A-033B-EC81-4CBA-2E63AE921356}"/>
+                <a16:creationId xmlns:a16="http://schemas.microsoft.com/office/drawing/2014/main" xmlns="" id="{1226867A-033B-EC81-4CBA-2E63AE921356}"/>
               </a:ext>
             </a:extLst>
           </p:cNvPr>
@@ -4360,7 +4365,7 @@
           <p:cNvPr id="5" name="Datumsplatzhalter 4">
             <a:extLst>
               <a:ext uri="{FF2B5EF4-FFF2-40B4-BE49-F238E27FC236}">
-                <a16:creationId xmlns:a16="http://schemas.microsoft.com/office/drawing/2014/main" id="{6354940B-3588-2228-9377-9891949F3751}"/>
+                <a16:creationId xmlns:a16="http://schemas.microsoft.com/office/drawing/2014/main" xmlns="" id="{6354940B-3588-2228-9377-9891949F3751}"/>
               </a:ext>
             </a:extLst>
           </p:cNvPr>
@@ -4389,7 +4394,7 @@
           <p:cNvPr id="6" name="Fußzeilenplatzhalter 5">
             <a:extLst>
               <a:ext uri="{FF2B5EF4-FFF2-40B4-BE49-F238E27FC236}">
-                <a16:creationId xmlns:a16="http://schemas.microsoft.com/office/drawing/2014/main" id="{94E36C0A-57EA-47C3-DB5C-73DD0A43432D}"/>
+                <a16:creationId xmlns:a16="http://schemas.microsoft.com/office/drawing/2014/main" xmlns="" id="{94E36C0A-57EA-47C3-DB5C-73DD0A43432D}"/>
               </a:ext>
             </a:extLst>
           </p:cNvPr>
@@ -4414,7 +4419,7 @@
           <p:cNvPr id="7" name="Foliennummernplatzhalter 6">
             <a:extLst>
               <a:ext uri="{FF2B5EF4-FFF2-40B4-BE49-F238E27FC236}">
-                <a16:creationId xmlns:a16="http://schemas.microsoft.com/office/drawing/2014/main" id="{4E69AF3E-EA34-8B26-186A-3F13FDB2DA3C}"/>
+                <a16:creationId xmlns:a16="http://schemas.microsoft.com/office/drawing/2014/main" xmlns="" id="{4E69AF3E-EA34-8B26-186A-3F13FDB2DA3C}"/>
               </a:ext>
             </a:extLst>
           </p:cNvPr>
@@ -4473,7 +4478,7 @@
           <p:cNvPr id="2" name="Titel 1">
             <a:extLst>
               <a:ext uri="{FF2B5EF4-FFF2-40B4-BE49-F238E27FC236}">
-                <a16:creationId xmlns:a16="http://schemas.microsoft.com/office/drawing/2014/main" id="{BBA0502B-ABF6-ED98-FD5F-CBA8201B1790}"/>
+                <a16:creationId xmlns:a16="http://schemas.microsoft.com/office/drawing/2014/main" xmlns="" id="{BBA0502B-ABF6-ED98-FD5F-CBA8201B1790}"/>
               </a:ext>
             </a:extLst>
           </p:cNvPr>
@@ -4510,7 +4515,7 @@
           <p:cNvPr id="3" name="Bildplatzhalter 2">
             <a:extLst>
               <a:ext uri="{FF2B5EF4-FFF2-40B4-BE49-F238E27FC236}">
-                <a16:creationId xmlns:a16="http://schemas.microsoft.com/office/drawing/2014/main" id="{2A8D1E66-0591-DCBF-2061-BB8AE324EF94}"/>
+                <a16:creationId xmlns:a16="http://schemas.microsoft.com/office/drawing/2014/main" xmlns="" id="{2A8D1E66-0591-DCBF-2061-BB8AE324EF94}"/>
               </a:ext>
             </a:extLst>
           </p:cNvPr>
@@ -4577,7 +4582,7 @@
           <p:cNvPr id="4" name="Textplatzhalter 3">
             <a:extLst>
               <a:ext uri="{FF2B5EF4-FFF2-40B4-BE49-F238E27FC236}">
-                <a16:creationId xmlns:a16="http://schemas.microsoft.com/office/drawing/2014/main" id="{4831CBBF-1E42-F070-A4B8-E7700806BE1B}"/>
+                <a16:creationId xmlns:a16="http://schemas.microsoft.com/office/drawing/2014/main" xmlns="" id="{4831CBBF-1E42-F070-A4B8-E7700806BE1B}"/>
               </a:ext>
             </a:extLst>
           </p:cNvPr>
@@ -4648,7 +4653,7 @@
           <p:cNvPr id="5" name="Datumsplatzhalter 4">
             <a:extLst>
               <a:ext uri="{FF2B5EF4-FFF2-40B4-BE49-F238E27FC236}">
-                <a16:creationId xmlns:a16="http://schemas.microsoft.com/office/drawing/2014/main" id="{1960BC35-6F9D-F5DE-43AE-C83D8ED48B67}"/>
+                <a16:creationId xmlns:a16="http://schemas.microsoft.com/office/drawing/2014/main" xmlns="" id="{1960BC35-6F9D-F5DE-43AE-C83D8ED48B67}"/>
               </a:ext>
             </a:extLst>
           </p:cNvPr>
@@ -4677,7 +4682,7 @@
           <p:cNvPr id="6" name="Fußzeilenplatzhalter 5">
             <a:extLst>
               <a:ext uri="{FF2B5EF4-FFF2-40B4-BE49-F238E27FC236}">
-                <a16:creationId xmlns:a16="http://schemas.microsoft.com/office/drawing/2014/main" id="{30D273C7-471D-7272-3F5E-5767F50480A5}"/>
+                <a16:creationId xmlns:a16="http://schemas.microsoft.com/office/drawing/2014/main" xmlns="" id="{30D273C7-471D-7272-3F5E-5767F50480A5}"/>
               </a:ext>
             </a:extLst>
           </p:cNvPr>
@@ -4702,7 +4707,7 @@
           <p:cNvPr id="7" name="Foliennummernplatzhalter 6">
             <a:extLst>
               <a:ext uri="{FF2B5EF4-FFF2-40B4-BE49-F238E27FC236}">
-                <a16:creationId xmlns:a16="http://schemas.microsoft.com/office/drawing/2014/main" id="{BCC0D4B9-4870-D553-09FC-5E6C714FE02A}"/>
+                <a16:creationId xmlns:a16="http://schemas.microsoft.com/office/drawing/2014/main" xmlns="" id="{BCC0D4B9-4870-D553-09FC-5E6C714FE02A}"/>
               </a:ext>
             </a:extLst>
           </p:cNvPr>
@@ -4766,7 +4771,7 @@
           <p:cNvPr id="2" name="Titelplatzhalter 1">
             <a:extLst>
               <a:ext uri="{FF2B5EF4-FFF2-40B4-BE49-F238E27FC236}">
-                <a16:creationId xmlns:a16="http://schemas.microsoft.com/office/drawing/2014/main" id="{A2365E14-5783-33D3-4639-802BC7A047A1}"/>
+                <a16:creationId xmlns:a16="http://schemas.microsoft.com/office/drawing/2014/main" xmlns="" id="{A2365E14-5783-33D3-4639-802BC7A047A1}"/>
               </a:ext>
             </a:extLst>
           </p:cNvPr>
@@ -4804,7 +4809,7 @@
           <p:cNvPr id="3" name="Textplatzhalter 2">
             <a:extLst>
               <a:ext uri="{FF2B5EF4-FFF2-40B4-BE49-F238E27FC236}">
-                <a16:creationId xmlns:a16="http://schemas.microsoft.com/office/drawing/2014/main" id="{14232D2E-DDCE-8E49-C9BB-C15C9488163E}"/>
+                <a16:creationId xmlns:a16="http://schemas.microsoft.com/office/drawing/2014/main" xmlns="" id="{14232D2E-DDCE-8E49-C9BB-C15C9488163E}"/>
               </a:ext>
             </a:extLst>
           </p:cNvPr>
@@ -4871,7 +4876,7 @@
           <p:cNvPr id="4" name="Datumsplatzhalter 3">
             <a:extLst>
               <a:ext uri="{FF2B5EF4-FFF2-40B4-BE49-F238E27FC236}">
-                <a16:creationId xmlns:a16="http://schemas.microsoft.com/office/drawing/2014/main" id="{1AE7AFD1-D471-D756-A6DE-7D9E3BB4EA1A}"/>
+                <a16:creationId xmlns:a16="http://schemas.microsoft.com/office/drawing/2014/main" xmlns="" id="{1AE7AFD1-D471-D756-A6DE-7D9E3BB4EA1A}"/>
               </a:ext>
             </a:extLst>
           </p:cNvPr>
@@ -4918,7 +4923,7 @@
           <p:cNvPr id="5" name="Fußzeilenplatzhalter 4">
             <a:extLst>
               <a:ext uri="{FF2B5EF4-FFF2-40B4-BE49-F238E27FC236}">
-                <a16:creationId xmlns:a16="http://schemas.microsoft.com/office/drawing/2014/main" id="{3F9AD6E4-3653-925B-7398-2C71DC6EA52C}"/>
+                <a16:creationId xmlns:a16="http://schemas.microsoft.com/office/drawing/2014/main" xmlns="" id="{3F9AD6E4-3653-925B-7398-2C71DC6EA52C}"/>
               </a:ext>
             </a:extLst>
           </p:cNvPr>
@@ -4961,7 +4966,7 @@
           <p:cNvPr id="6" name="Foliennummernplatzhalter 5">
             <a:extLst>
               <a:ext uri="{FF2B5EF4-FFF2-40B4-BE49-F238E27FC236}">
-                <a16:creationId xmlns:a16="http://schemas.microsoft.com/office/drawing/2014/main" id="{F4DA8294-8C62-0B2C-582E-2D38186F99E2}"/>
+                <a16:creationId xmlns:a16="http://schemas.microsoft.com/office/drawing/2014/main" xmlns="" id="{F4DA8294-8C62-0B2C-582E-2D38186F99E2}"/>
               </a:ext>
             </a:extLst>
           </p:cNvPr>
@@ -5315,7 +5320,7 @@
         <p:cNvPr id="1" name="">
           <a:extLst>
             <a:ext uri="{FF2B5EF4-FFF2-40B4-BE49-F238E27FC236}">
-              <a16:creationId xmlns:a16="http://schemas.microsoft.com/office/drawing/2014/main" id="{014211B3-21F6-A036-9E1C-CBDD49DF7591}"/>
+              <a16:creationId xmlns:a16="http://schemas.microsoft.com/office/drawing/2014/main" xmlns="" id="{014211B3-21F6-A036-9E1C-CBDD49DF7591}"/>
             </a:ext>
           </a:extLst>
         </p:cNvPr>
@@ -5335,7 +5340,7 @@
           <p:cNvPr id="3" name="Rechteck 2">
             <a:extLst>
               <a:ext uri="{FF2B5EF4-FFF2-40B4-BE49-F238E27FC236}">
-                <a16:creationId xmlns:a16="http://schemas.microsoft.com/office/drawing/2014/main" id="{7800B20D-42F2-7A46-3BC4-4A582ADCC187}"/>
+                <a16:creationId xmlns:a16="http://schemas.microsoft.com/office/drawing/2014/main" xmlns="" id="{7800B20D-42F2-7A46-3BC4-4A582ADCC187}"/>
               </a:ext>
             </a:extLst>
           </p:cNvPr>
@@ -5381,7 +5386,7 @@
           <p:cNvPr id="4" name="Rechteck 3">
             <a:extLst>
               <a:ext uri="{FF2B5EF4-FFF2-40B4-BE49-F238E27FC236}">
-                <a16:creationId xmlns:a16="http://schemas.microsoft.com/office/drawing/2014/main" id="{A7037366-0484-122E-23E8-AFE0E01E5839}"/>
+                <a16:creationId xmlns:a16="http://schemas.microsoft.com/office/drawing/2014/main" xmlns="" id="{A7037366-0484-122E-23E8-AFE0E01E5839}"/>
               </a:ext>
             </a:extLst>
           </p:cNvPr>
@@ -5433,7 +5438,7 @@
           <p:cNvPr id="6" name="Gerader Verbinder 5">
             <a:extLst>
               <a:ext uri="{FF2B5EF4-FFF2-40B4-BE49-F238E27FC236}">
-                <a16:creationId xmlns:a16="http://schemas.microsoft.com/office/drawing/2014/main" id="{A7D1B762-81BF-787E-C63C-EB4134059DF2}"/>
+                <a16:creationId xmlns:a16="http://schemas.microsoft.com/office/drawing/2014/main" xmlns="" id="{A7D1B762-81BF-787E-C63C-EB4134059DF2}"/>
               </a:ext>
             </a:extLst>
           </p:cNvPr>
@@ -5479,12 +5484,18 @@
           <p:cNvPr id="33" name="Diagramm 32">
             <a:extLst>
               <a:ext uri="{FF2B5EF4-FFF2-40B4-BE49-F238E27FC236}">
-                <a16:creationId xmlns:a16="http://schemas.microsoft.com/office/drawing/2014/main" id="{87CA5041-ADB8-A1BF-ECEC-44E9B4C77EBD}"/>
+                <a16:creationId xmlns:a16="http://schemas.microsoft.com/office/drawing/2014/main" xmlns="" id="{87CA5041-ADB8-A1BF-ECEC-44E9B4C77EBD}"/>
               </a:ext>
             </a:extLst>
           </p:cNvPr>
           <p:cNvGraphicFramePr/>
-          <p:nvPr/>
+          <p:nvPr>
+            <p:extLst>
+              <p:ext uri="{D42A27DB-BD31-4B8C-83A1-F6EECF244321}">
+                <p14:modId xmlns:p14="http://schemas.microsoft.com/office/powerpoint/2010/main" val="1177536780"/>
+              </p:ext>
+            </p:extLst>
+          </p:nvPr>
         </p:nvGraphicFramePr>
         <p:xfrm>
           <a:off x="-3944" y="0"/>
@@ -5501,7 +5512,7 @@
           <p:cNvPr id="8" name="Textfeld 7">
             <a:extLst>
               <a:ext uri="{FF2B5EF4-FFF2-40B4-BE49-F238E27FC236}">
-                <a16:creationId xmlns:a16="http://schemas.microsoft.com/office/drawing/2014/main" id="{466339DC-A483-8CCF-E1C6-0BDFF882FDCC}"/>
+                <a16:creationId xmlns:a16="http://schemas.microsoft.com/office/drawing/2014/main" xmlns="" id="{466339DC-A483-8CCF-E1C6-0BDFF882FDCC}"/>
               </a:ext>
             </a:extLst>
           </p:cNvPr>
@@ -5620,7 +5631,7 @@
           <p:cNvPr id="17" name="Textfeld 16">
             <a:extLst>
               <a:ext uri="{FF2B5EF4-FFF2-40B4-BE49-F238E27FC236}">
-                <a16:creationId xmlns:a16="http://schemas.microsoft.com/office/drawing/2014/main" id="{A40FCA64-C545-7394-6F75-2E5D16969936}"/>
+                <a16:creationId xmlns:a16="http://schemas.microsoft.com/office/drawing/2014/main" xmlns="" id="{A40FCA64-C545-7394-6F75-2E5D16969936}"/>
               </a:ext>
             </a:extLst>
           </p:cNvPr>
@@ -5664,7 +5675,7 @@
           <p:cNvPr id="18" name="Parallelogramm 17">
             <a:extLst>
               <a:ext uri="{FF2B5EF4-FFF2-40B4-BE49-F238E27FC236}">
-                <a16:creationId xmlns:a16="http://schemas.microsoft.com/office/drawing/2014/main" id="{0E18CD3F-7C65-3532-A230-B613AC7C6A03}"/>
+                <a16:creationId xmlns:a16="http://schemas.microsoft.com/office/drawing/2014/main" xmlns="" id="{0E18CD3F-7C65-3532-A230-B613AC7C6A03}"/>
               </a:ext>
             </a:extLst>
           </p:cNvPr>
@@ -5718,7 +5729,7 @@
           <p:cNvPr id="27" name="Parallelogramm 26">
             <a:extLst>
               <a:ext uri="{FF2B5EF4-FFF2-40B4-BE49-F238E27FC236}">
-                <a16:creationId xmlns:a16="http://schemas.microsoft.com/office/drawing/2014/main" id="{53BECEA2-0877-ED8C-E357-5C7FAA4272F8}"/>
+                <a16:creationId xmlns:a16="http://schemas.microsoft.com/office/drawing/2014/main" xmlns="" id="{53BECEA2-0877-ED8C-E357-5C7FAA4272F8}"/>
               </a:ext>
             </a:extLst>
           </p:cNvPr>
@@ -5770,7 +5781,7 @@
           <p:cNvPr id="28" name="Parallelogramm 27">
             <a:extLst>
               <a:ext uri="{FF2B5EF4-FFF2-40B4-BE49-F238E27FC236}">
-                <a16:creationId xmlns:a16="http://schemas.microsoft.com/office/drawing/2014/main" id="{B76606D5-1DF7-A51C-B989-2BC61E943EB2}"/>
+                <a16:creationId xmlns:a16="http://schemas.microsoft.com/office/drawing/2014/main" xmlns="" id="{B76606D5-1DF7-A51C-B989-2BC61E943EB2}"/>
               </a:ext>
             </a:extLst>
           </p:cNvPr>
@@ -5822,7 +5833,7 @@
           <p:cNvPr id="29" name="Parallelogramm 28">
             <a:extLst>
               <a:ext uri="{FF2B5EF4-FFF2-40B4-BE49-F238E27FC236}">
-                <a16:creationId xmlns:a16="http://schemas.microsoft.com/office/drawing/2014/main" id="{E7464042-FCD8-772C-AA98-D75F2CCB996C}"/>
+                <a16:creationId xmlns:a16="http://schemas.microsoft.com/office/drawing/2014/main" xmlns="" id="{E7464042-FCD8-772C-AA98-D75F2CCB996C}"/>
               </a:ext>
             </a:extLst>
           </p:cNvPr>
@@ -5874,7 +5885,7 @@
           <p:cNvPr id="30" name="Parallelogramm 29">
             <a:extLst>
               <a:ext uri="{FF2B5EF4-FFF2-40B4-BE49-F238E27FC236}">
-                <a16:creationId xmlns:a16="http://schemas.microsoft.com/office/drawing/2014/main" id="{A71DA20D-A3ED-7F8A-2005-21A50571090D}"/>
+                <a16:creationId xmlns:a16="http://schemas.microsoft.com/office/drawing/2014/main" xmlns="" id="{A71DA20D-A3ED-7F8A-2005-21A50571090D}"/>
               </a:ext>
             </a:extLst>
           </p:cNvPr>
@@ -5928,7 +5939,7 @@
           <p:cNvPr id="45" name="Textfeld 44">
             <a:extLst>
               <a:ext uri="{FF2B5EF4-FFF2-40B4-BE49-F238E27FC236}">
-                <a16:creationId xmlns:a16="http://schemas.microsoft.com/office/drawing/2014/main" id="{28438AD4-1E23-C3C2-AE4E-1B1BF4944FF1}"/>
+                <a16:creationId xmlns:a16="http://schemas.microsoft.com/office/drawing/2014/main" xmlns="" id="{28438AD4-1E23-C3C2-AE4E-1B1BF4944FF1}"/>
               </a:ext>
             </a:extLst>
           </p:cNvPr>
@@ -6032,7 +6043,7 @@
           <p:cNvPr id="46" name="Textfeld 45">
             <a:extLst>
               <a:ext uri="{FF2B5EF4-FFF2-40B4-BE49-F238E27FC236}">
-                <a16:creationId xmlns:a16="http://schemas.microsoft.com/office/drawing/2014/main" id="{A515C8CD-C7F3-E9C2-75E1-56B217DDB284}"/>
+                <a16:creationId xmlns:a16="http://schemas.microsoft.com/office/drawing/2014/main" xmlns="" id="{A515C8CD-C7F3-E9C2-75E1-56B217DDB284}"/>
               </a:ext>
             </a:extLst>
           </p:cNvPr>
@@ -6136,7 +6147,7 @@
           <p:cNvPr id="47" name="Textfeld 46">
             <a:extLst>
               <a:ext uri="{FF2B5EF4-FFF2-40B4-BE49-F238E27FC236}">
-                <a16:creationId xmlns:a16="http://schemas.microsoft.com/office/drawing/2014/main" id="{5DA2CEFE-7264-62BB-171C-E6E51FB21771}"/>
+                <a16:creationId xmlns:a16="http://schemas.microsoft.com/office/drawing/2014/main" xmlns="" id="{5DA2CEFE-7264-62BB-171C-E6E51FB21771}"/>
               </a:ext>
             </a:extLst>
           </p:cNvPr>
@@ -6240,7 +6251,7 @@
           <p:cNvPr id="48" name="Textfeld 47">
             <a:extLst>
               <a:ext uri="{FF2B5EF4-FFF2-40B4-BE49-F238E27FC236}">
-                <a16:creationId xmlns:a16="http://schemas.microsoft.com/office/drawing/2014/main" id="{5C9FBFEF-27E8-FFBF-2FB2-9645E4C74D58}"/>
+                <a16:creationId xmlns:a16="http://schemas.microsoft.com/office/drawing/2014/main" xmlns="" id="{5C9FBFEF-27E8-FFBF-2FB2-9645E4C74D58}"/>
               </a:ext>
             </a:extLst>
           </p:cNvPr>
@@ -6323,7 +6334,7 @@
           <p:cNvPr id="49" name="Textfeld 48">
             <a:extLst>
               <a:ext uri="{FF2B5EF4-FFF2-40B4-BE49-F238E27FC236}">
-                <a16:creationId xmlns:a16="http://schemas.microsoft.com/office/drawing/2014/main" id="{9C091A8A-435D-49F2-3A8F-0B4A5F39437C}"/>
+                <a16:creationId xmlns:a16="http://schemas.microsoft.com/office/drawing/2014/main" xmlns="" id="{9C091A8A-435D-49F2-3A8F-0B4A5F39437C}"/>
               </a:ext>
             </a:extLst>
           </p:cNvPr>
@@ -6418,7 +6429,7 @@
           <p:cNvPr id="50" name="Textfeld 49">
             <a:extLst>
               <a:ext uri="{FF2B5EF4-FFF2-40B4-BE49-F238E27FC236}">
-                <a16:creationId xmlns:a16="http://schemas.microsoft.com/office/drawing/2014/main" id="{DFFC965C-4A4E-89A8-E664-7A011ED74E41}"/>
+                <a16:creationId xmlns:a16="http://schemas.microsoft.com/office/drawing/2014/main" xmlns="" id="{DFFC965C-4A4E-89A8-E664-7A011ED74E41}"/>
               </a:ext>
             </a:extLst>
           </p:cNvPr>
@@ -6531,7 +6542,7 @@
           <p:cNvPr id="51" name="Textfeld 50">
             <a:extLst>
               <a:ext uri="{FF2B5EF4-FFF2-40B4-BE49-F238E27FC236}">
-                <a16:creationId xmlns:a16="http://schemas.microsoft.com/office/drawing/2014/main" id="{06151A8C-C203-5AD8-A4BC-AC3E14079A3A}"/>
+                <a16:creationId xmlns:a16="http://schemas.microsoft.com/office/drawing/2014/main" xmlns="" id="{06151A8C-C203-5AD8-A4BC-AC3E14079A3A}"/>
               </a:ext>
             </a:extLst>
           </p:cNvPr>
@@ -6635,7 +6646,7 @@
           <p:cNvPr id="52" name="Textfeld 51">
             <a:extLst>
               <a:ext uri="{FF2B5EF4-FFF2-40B4-BE49-F238E27FC236}">
-                <a16:creationId xmlns:a16="http://schemas.microsoft.com/office/drawing/2014/main" id="{C899BB51-C805-48D1-6EE5-159DC4DB6979}"/>
+                <a16:creationId xmlns:a16="http://schemas.microsoft.com/office/drawing/2014/main" xmlns="" id="{C899BB51-C805-48D1-6EE5-159DC4DB6979}"/>
               </a:ext>
             </a:extLst>
           </p:cNvPr>
@@ -6739,7 +6750,7 @@
           <p:cNvPr id="53" name="Textfeld 52">
             <a:extLst>
               <a:ext uri="{FF2B5EF4-FFF2-40B4-BE49-F238E27FC236}">
-                <a16:creationId xmlns:a16="http://schemas.microsoft.com/office/drawing/2014/main" id="{23CFD887-CE1D-1636-EACD-1B8421715D83}"/>
+                <a16:creationId xmlns:a16="http://schemas.microsoft.com/office/drawing/2014/main" xmlns="" id="{23CFD887-CE1D-1636-EACD-1B8421715D83}"/>
               </a:ext>
             </a:extLst>
           </p:cNvPr>
@@ -6858,7 +6869,7 @@
           <p:cNvPr id="2" name="Gerader Verbinder 1">
             <a:extLst>
               <a:ext uri="{FF2B5EF4-FFF2-40B4-BE49-F238E27FC236}">
-                <a16:creationId xmlns:a16="http://schemas.microsoft.com/office/drawing/2014/main" id="{C766F238-A22A-4A1B-2388-390A7AEECF0C}"/>
+                <a16:creationId xmlns:a16="http://schemas.microsoft.com/office/drawing/2014/main" xmlns="" id="{C766F238-A22A-4A1B-2388-390A7AEECF0C}"/>
               </a:ext>
             </a:extLst>
           </p:cNvPr>
@@ -6903,7 +6914,7 @@
           <p:cNvPr id="54" name="Textfeld 53">
             <a:extLst>
               <a:ext uri="{FF2B5EF4-FFF2-40B4-BE49-F238E27FC236}">
-                <a16:creationId xmlns:a16="http://schemas.microsoft.com/office/drawing/2014/main" id="{AEBED1B9-BCB3-4645-A4C6-9E2C42264A7D}"/>
+                <a16:creationId xmlns:a16="http://schemas.microsoft.com/office/drawing/2014/main" xmlns="" id="{AEBED1B9-BCB3-4645-A4C6-9E2C42264A7D}"/>
               </a:ext>
             </a:extLst>
           </p:cNvPr>
@@ -6947,7 +6958,7 @@
           <p:cNvPr id="55" name="Textfeld 54">
             <a:extLst>
               <a:ext uri="{FF2B5EF4-FFF2-40B4-BE49-F238E27FC236}">
-                <a16:creationId xmlns:a16="http://schemas.microsoft.com/office/drawing/2014/main" id="{D02EB35E-85FA-CCB9-3676-CFB773D28566}"/>
+                <a16:creationId xmlns:a16="http://schemas.microsoft.com/office/drawing/2014/main" xmlns="" id="{D02EB35E-85FA-CCB9-3676-CFB773D28566}"/>
               </a:ext>
             </a:extLst>
           </p:cNvPr>
@@ -6991,7 +7002,7 @@
           <p:cNvPr id="56" name="Textfeld 55">
             <a:extLst>
               <a:ext uri="{FF2B5EF4-FFF2-40B4-BE49-F238E27FC236}">
-                <a16:creationId xmlns:a16="http://schemas.microsoft.com/office/drawing/2014/main" id="{F0BE1144-E363-5C59-7F25-8C3F23B22988}"/>
+                <a16:creationId xmlns:a16="http://schemas.microsoft.com/office/drawing/2014/main" xmlns="" id="{F0BE1144-E363-5C59-7F25-8C3F23B22988}"/>
               </a:ext>
             </a:extLst>
           </p:cNvPr>
@@ -7035,7 +7046,7 @@
           <p:cNvPr id="58" name="Textfeld 57">
             <a:extLst>
               <a:ext uri="{FF2B5EF4-FFF2-40B4-BE49-F238E27FC236}">
-                <a16:creationId xmlns:a16="http://schemas.microsoft.com/office/drawing/2014/main" id="{3657CF9C-4E15-A7B2-F458-D259FEE80FD1}"/>
+                <a16:creationId xmlns:a16="http://schemas.microsoft.com/office/drawing/2014/main" xmlns="" id="{3657CF9C-4E15-A7B2-F458-D259FEE80FD1}"/>
               </a:ext>
             </a:extLst>
           </p:cNvPr>
@@ -7079,7 +7090,7 @@
           <p:cNvPr id="59" name="Textfeld 58">
             <a:extLst>
               <a:ext uri="{FF2B5EF4-FFF2-40B4-BE49-F238E27FC236}">
-                <a16:creationId xmlns:a16="http://schemas.microsoft.com/office/drawing/2014/main" id="{2ED666B0-A29F-F88E-BA7B-5F1FE3306266}"/>
+                <a16:creationId xmlns:a16="http://schemas.microsoft.com/office/drawing/2014/main" xmlns="" id="{2ED666B0-A29F-F88E-BA7B-5F1FE3306266}"/>
               </a:ext>
             </a:extLst>
           </p:cNvPr>
@@ -7123,7 +7134,7 @@
           <p:cNvPr id="60" name="Textfeld 59">
             <a:extLst>
               <a:ext uri="{FF2B5EF4-FFF2-40B4-BE49-F238E27FC236}">
-                <a16:creationId xmlns:a16="http://schemas.microsoft.com/office/drawing/2014/main" id="{2AF13BB1-902A-A33D-27FE-043553A3E4D5}"/>
+                <a16:creationId xmlns:a16="http://schemas.microsoft.com/office/drawing/2014/main" xmlns="" id="{2AF13BB1-902A-A33D-27FE-043553A3E4D5}"/>
               </a:ext>
             </a:extLst>
           </p:cNvPr>
@@ -7167,7 +7178,7 @@
           <p:cNvPr id="62" name="Textfeld 61">
             <a:extLst>
               <a:ext uri="{FF2B5EF4-FFF2-40B4-BE49-F238E27FC236}">
-                <a16:creationId xmlns:a16="http://schemas.microsoft.com/office/drawing/2014/main" id="{DF9D60A1-D467-E851-2619-655E2FE05B5F}"/>
+                <a16:creationId xmlns:a16="http://schemas.microsoft.com/office/drawing/2014/main" xmlns="" id="{DF9D60A1-D467-E851-2619-655E2FE05B5F}"/>
               </a:ext>
             </a:extLst>
           </p:cNvPr>
@@ -7211,7 +7222,7 @@
           <p:cNvPr id="63" name="Textfeld 62">
             <a:extLst>
               <a:ext uri="{FF2B5EF4-FFF2-40B4-BE49-F238E27FC236}">
-                <a16:creationId xmlns:a16="http://schemas.microsoft.com/office/drawing/2014/main" id="{269AA91B-F6F4-D295-0026-DF9A591E0FA5}"/>
+                <a16:creationId xmlns:a16="http://schemas.microsoft.com/office/drawing/2014/main" xmlns="" id="{269AA91B-F6F4-D295-0026-DF9A591E0FA5}"/>
               </a:ext>
             </a:extLst>
           </p:cNvPr>
@@ -7255,7 +7266,7 @@
           <p:cNvPr id="64" name="Textfeld 63">
             <a:extLst>
               <a:ext uri="{FF2B5EF4-FFF2-40B4-BE49-F238E27FC236}">
-                <a16:creationId xmlns:a16="http://schemas.microsoft.com/office/drawing/2014/main" id="{5B7AB998-A534-AFBC-FBCB-4CA4455305A9}"/>
+                <a16:creationId xmlns:a16="http://schemas.microsoft.com/office/drawing/2014/main" xmlns="" id="{5B7AB998-A534-AFBC-FBCB-4CA4455305A9}"/>
               </a:ext>
             </a:extLst>
           </p:cNvPr>
@@ -7302,7 +7313,7 @@
           <p:cNvPr id="67" name="Textfeld 66">
             <a:extLst>
               <a:ext uri="{FF2B5EF4-FFF2-40B4-BE49-F238E27FC236}">
-                <a16:creationId xmlns:a16="http://schemas.microsoft.com/office/drawing/2014/main" id="{44C7F010-2A8F-55F7-71F3-E6DCC78DA7D1}"/>
+                <a16:creationId xmlns:a16="http://schemas.microsoft.com/office/drawing/2014/main" xmlns="" id="{44C7F010-2A8F-55F7-71F3-E6DCC78DA7D1}"/>
               </a:ext>
             </a:extLst>
           </p:cNvPr>
@@ -7400,7 +7411,7 @@
           <p:cNvPr id="7" name="Textfeld 6">
             <a:extLst>
               <a:ext uri="{FF2B5EF4-FFF2-40B4-BE49-F238E27FC236}">
-                <a16:creationId xmlns:a16="http://schemas.microsoft.com/office/drawing/2014/main" id="{366401E3-D79D-D222-DD7A-05BD623E27C1}"/>
+                <a16:creationId xmlns:a16="http://schemas.microsoft.com/office/drawing/2014/main" xmlns="" id="{366401E3-D79D-D222-DD7A-05BD623E27C1}"/>
               </a:ext>
             </a:extLst>
           </p:cNvPr>
@@ -7441,7 +7452,7 @@
           <p:cNvPr id="5" name="Textfeld 4">
             <a:extLst>
               <a:ext uri="{FF2B5EF4-FFF2-40B4-BE49-F238E27FC236}">
-                <a16:creationId xmlns:a16="http://schemas.microsoft.com/office/drawing/2014/main" id="{9281404D-6970-9902-D0E7-0138EFE063D8}"/>
+                <a16:creationId xmlns:a16="http://schemas.microsoft.com/office/drawing/2014/main" xmlns="" id="{9281404D-6970-9902-D0E7-0138EFE063D8}"/>
               </a:ext>
             </a:extLst>
           </p:cNvPr>
@@ -7478,7 +7489,7 @@
           <p:cNvPr id="9" name="Textfeld 8">
             <a:extLst>
               <a:ext uri="{FF2B5EF4-FFF2-40B4-BE49-F238E27FC236}">
-                <a16:creationId xmlns:a16="http://schemas.microsoft.com/office/drawing/2014/main" id="{909F609D-FB6B-F3A7-C7A5-8399CA7D4081}"/>
+                <a16:creationId xmlns:a16="http://schemas.microsoft.com/office/drawing/2014/main" xmlns="" id="{909F609D-FB6B-F3A7-C7A5-8399CA7D4081}"/>
               </a:ext>
             </a:extLst>
           </p:cNvPr>
@@ -7639,7 +7650,7 @@
           <p:cNvPr id="10" name="Grafik 9" descr="Ein Bild, das Symbol, Clipart, Grafiken, Darstellung enthält.&#10;&#10;Automatisch generierte Beschreibung">
             <a:extLst>
               <a:ext uri="{FF2B5EF4-FFF2-40B4-BE49-F238E27FC236}">
-                <a16:creationId xmlns:a16="http://schemas.microsoft.com/office/drawing/2014/main" id="{CCE76543-BBFB-9955-4A52-12474C52289D}"/>
+                <a16:creationId xmlns:a16="http://schemas.microsoft.com/office/drawing/2014/main" xmlns="" id="{CCE76543-BBFB-9955-4A52-12474C52289D}"/>
               </a:ext>
             </a:extLst>
           </p:cNvPr>
